--- a/11-15 rounds/Side Step - 12 rounds - Comstock/Side Step.pptx
+++ b/11-15 rounds/Side Step - 12 rounds - Comstock/Side Step.pptx
@@ -258,7 +258,7 @@
               <a:pPr>
                 <a:defRPr/>
               </a:pPr>
-              <a:t>4/25/2019</a:t>
+              <a:t>6/19/2019</a:t>
             </a:fld>
             <a:endParaRPr lang="en-US"/>
           </a:p>
@@ -4159,14 +4159,14 @@
           <p:nvPr>
             <p:extLst>
               <p:ext uri="{D42A27DB-BD31-4B8C-83A1-F6EECF244321}">
-                <p14:modId xmlns:p14="http://schemas.microsoft.com/office/powerpoint/2010/main" val="2391250696"/>
+                <p14:modId xmlns:p14="http://schemas.microsoft.com/office/powerpoint/2010/main" val="2671751727"/>
               </p:ext>
             </p:extLst>
           </p:nvPr>
         </p:nvGraphicFramePr>
         <p:xfrm>
           <a:off x="180474" y="223710"/>
-          <a:ext cx="7025777" cy="2877827"/>
+          <a:ext cx="7025777" cy="3028703"/>
         </p:xfrm>
         <a:graphic>
           <a:graphicData uri="http://schemas.openxmlformats.org/drawingml/2006/table">
@@ -4582,7 +4582,7 @@
                           <a:ea typeface="Arial" pitchFamily="34"/>
                           <a:cs typeface="Arial" pitchFamily="34"/>
                         </a:rPr>
-                        <a:t>, feet on X’s, toes against rear fault line.</a:t>
+                        <a:t>, feet on X’s, toes against rear fault line. Wrists above respective shoulders</a:t>
                       </a:r>
                     </a:p>
                     <a:p>
